--- a/docs/slides/pliman_inta/figs/esquemas.pptx
+++ b/docs/slides/pliman_inta/figs/esquemas.pptx
@@ -260,7 +260,7 @@
           <a:p>
             <a:fld id="{9C940E47-85E3-4A32-B5D6-F118FDDD8F5B}" type="datetimeFigureOut">
               <a:rPr lang="pt-BR" smtClean="0"/>
-              <a:t>05/05/2022</a:t>
+              <a:t>06/05/2022</a:t>
             </a:fld>
             <a:endParaRPr lang="pt-BR"/>
           </a:p>
@@ -458,7 +458,7 @@
           <a:p>
             <a:fld id="{9C940E47-85E3-4A32-B5D6-F118FDDD8F5B}" type="datetimeFigureOut">
               <a:rPr lang="pt-BR" smtClean="0"/>
-              <a:t>05/05/2022</a:t>
+              <a:t>06/05/2022</a:t>
             </a:fld>
             <a:endParaRPr lang="pt-BR"/>
           </a:p>
@@ -666,7 +666,7 @@
           <a:p>
             <a:fld id="{9C940E47-85E3-4A32-B5D6-F118FDDD8F5B}" type="datetimeFigureOut">
               <a:rPr lang="pt-BR" smtClean="0"/>
-              <a:t>05/05/2022</a:t>
+              <a:t>06/05/2022</a:t>
             </a:fld>
             <a:endParaRPr lang="pt-BR"/>
           </a:p>
@@ -864,7 +864,7 @@
           <a:p>
             <a:fld id="{9C940E47-85E3-4A32-B5D6-F118FDDD8F5B}" type="datetimeFigureOut">
               <a:rPr lang="pt-BR" smtClean="0"/>
-              <a:t>05/05/2022</a:t>
+              <a:t>06/05/2022</a:t>
             </a:fld>
             <a:endParaRPr lang="pt-BR"/>
           </a:p>
@@ -1139,7 +1139,7 @@
           <a:p>
             <a:fld id="{9C940E47-85E3-4A32-B5D6-F118FDDD8F5B}" type="datetimeFigureOut">
               <a:rPr lang="pt-BR" smtClean="0"/>
-              <a:t>05/05/2022</a:t>
+              <a:t>06/05/2022</a:t>
             </a:fld>
             <a:endParaRPr lang="pt-BR"/>
           </a:p>
@@ -1404,7 +1404,7 @@
           <a:p>
             <a:fld id="{9C940E47-85E3-4A32-B5D6-F118FDDD8F5B}" type="datetimeFigureOut">
               <a:rPr lang="pt-BR" smtClean="0"/>
-              <a:t>05/05/2022</a:t>
+              <a:t>06/05/2022</a:t>
             </a:fld>
             <a:endParaRPr lang="pt-BR"/>
           </a:p>
@@ -1816,7 +1816,7 @@
           <a:p>
             <a:fld id="{9C940E47-85E3-4A32-B5D6-F118FDDD8F5B}" type="datetimeFigureOut">
               <a:rPr lang="pt-BR" smtClean="0"/>
-              <a:t>05/05/2022</a:t>
+              <a:t>06/05/2022</a:t>
             </a:fld>
             <a:endParaRPr lang="pt-BR"/>
           </a:p>
@@ -1957,7 +1957,7 @@
           <a:p>
             <a:fld id="{9C940E47-85E3-4A32-B5D6-F118FDDD8F5B}" type="datetimeFigureOut">
               <a:rPr lang="pt-BR" smtClean="0"/>
-              <a:t>05/05/2022</a:t>
+              <a:t>06/05/2022</a:t>
             </a:fld>
             <a:endParaRPr lang="pt-BR"/>
           </a:p>
@@ -2070,7 +2070,7 @@
           <a:p>
             <a:fld id="{9C940E47-85E3-4A32-B5D6-F118FDDD8F5B}" type="datetimeFigureOut">
               <a:rPr lang="pt-BR" smtClean="0"/>
-              <a:t>05/05/2022</a:t>
+              <a:t>06/05/2022</a:t>
             </a:fld>
             <a:endParaRPr lang="pt-BR"/>
           </a:p>
@@ -2381,7 +2381,7 @@
           <a:p>
             <a:fld id="{9C940E47-85E3-4A32-B5D6-F118FDDD8F5B}" type="datetimeFigureOut">
               <a:rPr lang="pt-BR" smtClean="0"/>
-              <a:t>05/05/2022</a:t>
+              <a:t>06/05/2022</a:t>
             </a:fld>
             <a:endParaRPr lang="pt-BR"/>
           </a:p>
@@ -2669,7 +2669,7 @@
           <a:p>
             <a:fld id="{9C940E47-85E3-4A32-B5D6-F118FDDD8F5B}" type="datetimeFigureOut">
               <a:rPr lang="pt-BR" smtClean="0"/>
-              <a:t>05/05/2022</a:t>
+              <a:t>06/05/2022</a:t>
             </a:fld>
             <a:endParaRPr lang="pt-BR"/>
           </a:p>
@@ -2910,7 +2910,7 @@
           <a:p>
             <a:fld id="{9C940E47-85E3-4A32-B5D6-F118FDDD8F5B}" type="datetimeFigureOut">
               <a:rPr lang="pt-BR" smtClean="0"/>
-              <a:t>05/05/2022</a:t>
+              <a:t>06/05/2022</a:t>
             </a:fld>
             <a:endParaRPr lang="pt-BR"/>
           </a:p>
@@ -3722,10 +3722,10 @@
       </p:pic>
       <p:pic>
         <p:nvPicPr>
-          <p:cNvPr id="1034" name="Picture 10" descr="Laboratório de Ecologia Aplicada (LEAp)">
-            <a:extLst>
-              <a:ext uri="{FF2B5EF4-FFF2-40B4-BE49-F238E27FC236}">
-                <a16:creationId xmlns:a16="http://schemas.microsoft.com/office/drawing/2014/main" id="{B011F3A6-E336-4AB4-8B85-3C378B41CE96}"/>
+          <p:cNvPr id="10" name="Imagem 9">
+            <a:extLst>
+              <a:ext uri="{FF2B5EF4-FFF2-40B4-BE49-F238E27FC236}">
+                <a16:creationId xmlns:a16="http://schemas.microsoft.com/office/drawing/2014/main" id="{B9E92744-591D-492A-8405-FB9E223ADE5A}"/>
               </a:ext>
             </a:extLst>
           </p:cNvPr>
@@ -3736,54 +3736,6 @@
         </p:nvPicPr>
         <p:blipFill>
           <a:blip r:embed="rId3">
-            <a:extLst>
-              <a:ext uri="{28A0092B-C50C-407E-A947-70E740481C1C}">
-                <a14:useLocalDpi xmlns:a14="http://schemas.microsoft.com/office/drawing/2010/main" val="0"/>
-              </a:ext>
-            </a:extLst>
-          </a:blip>
-          <a:srcRect/>
-          <a:stretch>
-            <a:fillRect/>
-          </a:stretch>
-        </p:blipFill>
-        <p:spPr bwMode="auto">
-          <a:xfrm>
-            <a:off x="10149552" y="2509520"/>
-            <a:ext cx="1880029" cy="1880029"/>
-          </a:xfrm>
-          <a:prstGeom prst="rect">
-            <a:avLst/>
-          </a:prstGeom>
-          <a:noFill/>
-          <a:extLst>
-            <a:ext uri="{909E8E84-426E-40DD-AFC4-6F175D3DCCD1}">
-              <a14:hiddenFill xmlns:a14="http://schemas.microsoft.com/office/drawing/2010/main">
-                <a:solidFill>
-                  <a:srgbClr val="FFFFFF"/>
-                </a:solidFill>
-              </a14:hiddenFill>
-            </a:ext>
-          </a:extLst>
-        </p:spPr>
-      </p:pic>
-      <p:pic>
-        <p:nvPicPr>
-          <p:cNvPr id="10" name="Imagem 9">
-            <a:hlinkClick r:id="rId4"/>
-            <a:extLst>
-              <a:ext uri="{FF2B5EF4-FFF2-40B4-BE49-F238E27FC236}">
-                <a16:creationId xmlns:a16="http://schemas.microsoft.com/office/drawing/2014/main" id="{B9E92744-591D-492A-8405-FB9E223ADE5A}"/>
-              </a:ext>
-            </a:extLst>
-          </p:cNvPr>
-          <p:cNvPicPr>
-            <a:picLocks noChangeAspect="1" noChangeArrowheads="1"/>
-          </p:cNvPicPr>
-          <p:nvPr/>
-        </p:nvPicPr>
-        <p:blipFill>
-          <a:blip r:embed="rId5">
             <a:extLst>
               <a:ext uri="{28A0092B-C50C-407E-A947-70E740481C1C}">
                 <a14:useLocalDpi xmlns:a14="http://schemas.microsoft.com/office/drawing/2010/main" val="0"/>
@@ -3817,46 +3769,10 @@
       </p:pic>
       <p:pic>
         <p:nvPicPr>
-          <p:cNvPr id="5" name="Imagem 4">
-            <a:extLst>
-              <a:ext uri="{FF2B5EF4-FFF2-40B4-BE49-F238E27FC236}">
-                <a16:creationId xmlns:a16="http://schemas.microsoft.com/office/drawing/2014/main" id="{657A7220-CE78-4ADB-56F6-7BA8DB19965D}"/>
-              </a:ext>
-            </a:extLst>
-          </p:cNvPr>
-          <p:cNvPicPr>
-            <a:picLocks noChangeAspect="1"/>
-          </p:cNvPicPr>
-          <p:nvPr/>
-        </p:nvPicPr>
-        <p:blipFill>
-          <a:blip r:embed="rId6">
-            <a:extLst>
-              <a:ext uri="{28A0092B-C50C-407E-A947-70E740481C1C}">
-                <a14:useLocalDpi xmlns:a14="http://schemas.microsoft.com/office/drawing/2010/main" val="0"/>
-              </a:ext>
-            </a:extLst>
-          </a:blip>
-          <a:stretch>
-            <a:fillRect/>
-          </a:stretch>
-        </p:blipFill>
-        <p:spPr>
-          <a:xfrm>
-            <a:off x="4285518" y="2584293"/>
-            <a:ext cx="2841719" cy="1767467"/>
-          </a:xfrm>
-          <a:prstGeom prst="rect">
-            <a:avLst/>
-          </a:prstGeom>
-        </p:spPr>
-      </p:pic>
-      <p:pic>
-        <p:nvPicPr>
-          <p:cNvPr id="1040" name="Picture 16" descr="Instituições – II Workshop Estratégias Alimentares e de Abastecimento – WEAA">
-            <a:extLst>
-              <a:ext uri="{FF2B5EF4-FFF2-40B4-BE49-F238E27FC236}">
-                <a16:creationId xmlns:a16="http://schemas.microsoft.com/office/drawing/2014/main" id="{5C5C09C1-77F5-B4A2-7283-9EDB5614FFE8}"/>
+          <p:cNvPr id="1026" name="Picture 2" descr="INTA Logo Vector (.AI) Free Download">
+            <a:extLst>
+              <a:ext uri="{FF2B5EF4-FFF2-40B4-BE49-F238E27FC236}">
+                <a16:creationId xmlns:a16="http://schemas.microsoft.com/office/drawing/2014/main" id="{6F54830F-B855-1367-2D9C-FFD32F15B4E9}"/>
               </a:ext>
             </a:extLst>
           </p:cNvPr>
@@ -3865,21 +3781,70 @@
           </p:cNvPicPr>
           <p:nvPr/>
         </p:nvPicPr>
-        <p:blipFill rotWithShape="1">
-          <a:blip r:embed="rId7">
+        <p:blipFill>
+          <a:blip r:embed="rId4">
             <a:extLst>
               <a:ext uri="{28A0092B-C50C-407E-A947-70E740481C1C}">
                 <a14:useLocalDpi xmlns:a14="http://schemas.microsoft.com/office/drawing/2010/main" val="0"/>
               </a:ext>
             </a:extLst>
           </a:blip>
-          <a:srcRect b="14101"/>
-          <a:stretch/>
+          <a:srcRect/>
+          <a:stretch>
+            <a:fillRect/>
+          </a:stretch>
         </p:blipFill>
         <p:spPr bwMode="auto">
           <a:xfrm>
-            <a:off x="6756811" y="2357120"/>
-            <a:ext cx="3980734" cy="1994640"/>
+            <a:off x="4123584" y="2481262"/>
+            <a:ext cx="2857500" cy="1895475"/>
+          </a:xfrm>
+          <a:prstGeom prst="rect">
+            <a:avLst/>
+          </a:prstGeom>
+          <a:noFill/>
+          <a:extLst>
+            <a:ext uri="{909E8E84-426E-40DD-AFC4-6F175D3DCCD1}">
+              <a14:hiddenFill xmlns:a14="http://schemas.microsoft.com/office/drawing/2010/main">
+                <a:solidFill>
+                  <a:srgbClr val="FFFFFF"/>
+                </a:solidFill>
+              </a14:hiddenFill>
+            </a:ext>
+          </a:extLst>
+        </p:spPr>
+      </p:pic>
+      <p:pic>
+        <p:nvPicPr>
+          <p:cNvPr id="2" name="Picture 4">
+            <a:extLst>
+              <a:ext uri="{FF2B5EF4-FFF2-40B4-BE49-F238E27FC236}">
+                <a16:creationId xmlns:a16="http://schemas.microsoft.com/office/drawing/2014/main" id="{3AA2338D-99E6-D35B-1F22-F028B26D3115}"/>
+              </a:ext>
+            </a:extLst>
+          </p:cNvPr>
+          <p:cNvPicPr>
+            <a:picLocks noChangeAspect="1" noChangeArrowheads="1"/>
+          </p:cNvPicPr>
+          <p:nvPr/>
+        </p:nvPicPr>
+        <p:blipFill>
+          <a:blip r:embed="rId5">
+            <a:extLst>
+              <a:ext uri="{28A0092B-C50C-407E-A947-70E740481C1C}">
+                <a14:useLocalDpi xmlns:a14="http://schemas.microsoft.com/office/drawing/2010/main" val="0"/>
+              </a:ext>
+            </a:extLst>
+          </a:blip>
+          <a:srcRect/>
+          <a:stretch>
+            <a:fillRect/>
+          </a:stretch>
+        </p:blipFill>
+        <p:spPr bwMode="auto">
+          <a:xfrm>
+            <a:off x="6999746" y="2481262"/>
+            <a:ext cx="5460506" cy="1816728"/>
           </a:xfrm>
           <a:prstGeom prst="rect">
             <a:avLst/>

--- a/docs/slides/pliman_inta/figs/esquemas.pptx
+++ b/docs/slides/pliman_inta/figs/esquemas.pptx
@@ -260,7 +260,7 @@
           <a:p>
             <a:fld id="{9C940E47-85E3-4A32-B5D6-F118FDDD8F5B}" type="datetimeFigureOut">
               <a:rPr lang="pt-BR" smtClean="0"/>
-              <a:t>06/05/2022</a:t>
+              <a:t>08/07/2022</a:t>
             </a:fld>
             <a:endParaRPr lang="pt-BR"/>
           </a:p>
@@ -458,7 +458,7 @@
           <a:p>
             <a:fld id="{9C940E47-85E3-4A32-B5D6-F118FDDD8F5B}" type="datetimeFigureOut">
               <a:rPr lang="pt-BR" smtClean="0"/>
-              <a:t>06/05/2022</a:t>
+              <a:t>08/07/2022</a:t>
             </a:fld>
             <a:endParaRPr lang="pt-BR"/>
           </a:p>
@@ -666,7 +666,7 @@
           <a:p>
             <a:fld id="{9C940E47-85E3-4A32-B5D6-F118FDDD8F5B}" type="datetimeFigureOut">
               <a:rPr lang="pt-BR" smtClean="0"/>
-              <a:t>06/05/2022</a:t>
+              <a:t>08/07/2022</a:t>
             </a:fld>
             <a:endParaRPr lang="pt-BR"/>
           </a:p>
@@ -864,7 +864,7 @@
           <a:p>
             <a:fld id="{9C940E47-85E3-4A32-B5D6-F118FDDD8F5B}" type="datetimeFigureOut">
               <a:rPr lang="pt-BR" smtClean="0"/>
-              <a:t>06/05/2022</a:t>
+              <a:t>08/07/2022</a:t>
             </a:fld>
             <a:endParaRPr lang="pt-BR"/>
           </a:p>
@@ -1139,7 +1139,7 @@
           <a:p>
             <a:fld id="{9C940E47-85E3-4A32-B5D6-F118FDDD8F5B}" type="datetimeFigureOut">
               <a:rPr lang="pt-BR" smtClean="0"/>
-              <a:t>06/05/2022</a:t>
+              <a:t>08/07/2022</a:t>
             </a:fld>
             <a:endParaRPr lang="pt-BR"/>
           </a:p>
@@ -1404,7 +1404,7 @@
           <a:p>
             <a:fld id="{9C940E47-85E3-4A32-B5D6-F118FDDD8F5B}" type="datetimeFigureOut">
               <a:rPr lang="pt-BR" smtClean="0"/>
-              <a:t>06/05/2022</a:t>
+              <a:t>08/07/2022</a:t>
             </a:fld>
             <a:endParaRPr lang="pt-BR"/>
           </a:p>
@@ -1816,7 +1816,7 @@
           <a:p>
             <a:fld id="{9C940E47-85E3-4A32-B5D6-F118FDDD8F5B}" type="datetimeFigureOut">
               <a:rPr lang="pt-BR" smtClean="0"/>
-              <a:t>06/05/2022</a:t>
+              <a:t>08/07/2022</a:t>
             </a:fld>
             <a:endParaRPr lang="pt-BR"/>
           </a:p>
@@ -1957,7 +1957,7 @@
           <a:p>
             <a:fld id="{9C940E47-85E3-4A32-B5D6-F118FDDD8F5B}" type="datetimeFigureOut">
               <a:rPr lang="pt-BR" smtClean="0"/>
-              <a:t>06/05/2022</a:t>
+              <a:t>08/07/2022</a:t>
             </a:fld>
             <a:endParaRPr lang="pt-BR"/>
           </a:p>
@@ -2070,7 +2070,7 @@
           <a:p>
             <a:fld id="{9C940E47-85E3-4A32-B5D6-F118FDDD8F5B}" type="datetimeFigureOut">
               <a:rPr lang="pt-BR" smtClean="0"/>
-              <a:t>06/05/2022</a:t>
+              <a:t>08/07/2022</a:t>
             </a:fld>
             <a:endParaRPr lang="pt-BR"/>
           </a:p>
@@ -2381,7 +2381,7 @@
           <a:p>
             <a:fld id="{9C940E47-85E3-4A32-B5D6-F118FDDD8F5B}" type="datetimeFigureOut">
               <a:rPr lang="pt-BR" smtClean="0"/>
-              <a:t>06/05/2022</a:t>
+              <a:t>08/07/2022</a:t>
             </a:fld>
             <a:endParaRPr lang="pt-BR"/>
           </a:p>
@@ -2669,7 +2669,7 @@
           <a:p>
             <a:fld id="{9C940E47-85E3-4A32-B5D6-F118FDDD8F5B}" type="datetimeFigureOut">
               <a:rPr lang="pt-BR" smtClean="0"/>
-              <a:t>06/05/2022</a:t>
+              <a:t>08/07/2022</a:t>
             </a:fld>
             <a:endParaRPr lang="pt-BR"/>
           </a:p>
@@ -2910,7 +2910,7 @@
           <a:p>
             <a:fld id="{9C940E47-85E3-4A32-B5D6-F118FDDD8F5B}" type="datetimeFigureOut">
               <a:rPr lang="pt-BR" smtClean="0"/>
-              <a:t>06/05/2022</a:t>
+              <a:t>08/07/2022</a:t>
             </a:fld>
             <a:endParaRPr lang="pt-BR"/>
           </a:p>
@@ -3749,8 +3749,8 @@
         </p:blipFill>
         <p:spPr bwMode="auto">
           <a:xfrm>
-            <a:off x="1884738" y="2893726"/>
-            <a:ext cx="2220184" cy="1458034"/>
+            <a:off x="2448158" y="2003451"/>
+            <a:ext cx="1567589" cy="1029463"/>
           </a:xfrm>
           <a:prstGeom prst="rect">
             <a:avLst/>
@@ -3769,15 +3769,15 @@
       </p:pic>
       <p:pic>
         <p:nvPicPr>
-          <p:cNvPr id="1026" name="Picture 2" descr="INTA Logo Vector (.AI) Free Download">
-            <a:extLst>
-              <a:ext uri="{FF2B5EF4-FFF2-40B4-BE49-F238E27FC236}">
-                <a16:creationId xmlns:a16="http://schemas.microsoft.com/office/drawing/2014/main" id="{6F54830F-B855-1367-2D9C-FFD32F15B4E9}"/>
+          <p:cNvPr id="4" name="Imagem 3">
+            <a:extLst>
+              <a:ext uri="{FF2B5EF4-FFF2-40B4-BE49-F238E27FC236}">
+                <a16:creationId xmlns:a16="http://schemas.microsoft.com/office/drawing/2014/main" id="{0A750A01-9D81-CDB1-D73C-CF8B3E69E069}"/>
               </a:ext>
             </a:extLst>
           </p:cNvPr>
           <p:cNvPicPr>
-            <a:picLocks noChangeAspect="1" noChangeArrowheads="1"/>
+            <a:picLocks noChangeAspect="1"/>
           </p:cNvPicPr>
           <p:nvPr/>
         </p:nvPicPr>
@@ -3789,76 +3789,18 @@
               </a:ext>
             </a:extLst>
           </a:blip>
-          <a:srcRect/>
           <a:stretch>
             <a:fillRect/>
           </a:stretch>
         </p:blipFill>
-        <p:spPr bwMode="auto">
+        <p:spPr>
           <a:xfrm>
-            <a:off x="4123584" y="2481262"/>
-            <a:ext cx="2857500" cy="1895475"/>
+            <a:off x="1944452" y="3032914"/>
+            <a:ext cx="2761615" cy="1396175"/>
           </a:xfrm>
           <a:prstGeom prst="rect">
             <a:avLst/>
           </a:prstGeom>
-          <a:noFill/>
-          <a:extLst>
-            <a:ext uri="{909E8E84-426E-40DD-AFC4-6F175D3DCCD1}">
-              <a14:hiddenFill xmlns:a14="http://schemas.microsoft.com/office/drawing/2010/main">
-                <a:solidFill>
-                  <a:srgbClr val="FFFFFF"/>
-                </a:solidFill>
-              </a14:hiddenFill>
-            </a:ext>
-          </a:extLst>
-        </p:spPr>
-      </p:pic>
-      <p:pic>
-        <p:nvPicPr>
-          <p:cNvPr id="2" name="Picture 4">
-            <a:extLst>
-              <a:ext uri="{FF2B5EF4-FFF2-40B4-BE49-F238E27FC236}">
-                <a16:creationId xmlns:a16="http://schemas.microsoft.com/office/drawing/2014/main" id="{3AA2338D-99E6-D35B-1F22-F028B26D3115}"/>
-              </a:ext>
-            </a:extLst>
-          </p:cNvPr>
-          <p:cNvPicPr>
-            <a:picLocks noChangeAspect="1" noChangeArrowheads="1"/>
-          </p:cNvPicPr>
-          <p:nvPr/>
-        </p:nvPicPr>
-        <p:blipFill>
-          <a:blip r:embed="rId5">
-            <a:extLst>
-              <a:ext uri="{28A0092B-C50C-407E-A947-70E740481C1C}">
-                <a14:useLocalDpi xmlns:a14="http://schemas.microsoft.com/office/drawing/2010/main" val="0"/>
-              </a:ext>
-            </a:extLst>
-          </a:blip>
-          <a:srcRect/>
-          <a:stretch>
-            <a:fillRect/>
-          </a:stretch>
-        </p:blipFill>
-        <p:spPr bwMode="auto">
-          <a:xfrm>
-            <a:off x="6999746" y="2481262"/>
-            <a:ext cx="5460506" cy="1816728"/>
-          </a:xfrm>
-          <a:prstGeom prst="rect">
-            <a:avLst/>
-          </a:prstGeom>
-          <a:noFill/>
-          <a:extLst>
-            <a:ext uri="{909E8E84-426E-40DD-AFC4-6F175D3DCCD1}">
-              <a14:hiddenFill xmlns:a14="http://schemas.microsoft.com/office/drawing/2010/main">
-                <a:solidFill>
-                  <a:srgbClr val="FFFFFF"/>
-                </a:solidFill>
-              </a14:hiddenFill>
-            </a:ext>
-          </a:extLst>
         </p:spPr>
       </p:pic>
     </p:spTree>

--- a/docs/slides/pliman_inta/figs/esquemas.pptx
+++ b/docs/slides/pliman_inta/figs/esquemas.pptx
@@ -3749,7 +3749,7 @@
         </p:blipFill>
         <p:spPr bwMode="auto">
           <a:xfrm>
-            <a:off x="2448158" y="2003451"/>
+            <a:off x="2521893" y="2003451"/>
             <a:ext cx="1567589" cy="1029463"/>
           </a:xfrm>
           <a:prstGeom prst="rect">
@@ -3801,6 +3801,89 @@
           <a:prstGeom prst="rect">
             <a:avLst/>
           </a:prstGeom>
+        </p:spPr>
+      </p:pic>
+      <p:pic>
+        <p:nvPicPr>
+          <p:cNvPr id="6" name="Imagem 5">
+            <a:extLst>
+              <a:ext uri="{FF2B5EF4-FFF2-40B4-BE49-F238E27FC236}">
+                <a16:creationId xmlns:a16="http://schemas.microsoft.com/office/drawing/2014/main" id="{B337624E-7EE0-4003-4577-1B6464214E35}"/>
+              </a:ext>
+            </a:extLst>
+          </p:cNvPr>
+          <p:cNvPicPr>
+            <a:picLocks noChangeAspect="1"/>
+          </p:cNvPicPr>
+          <p:nvPr/>
+        </p:nvPicPr>
+        <p:blipFill>
+          <a:blip r:embed="rId5">
+            <a:extLst>
+              <a:ext uri="{28A0092B-C50C-407E-A947-70E740481C1C}">
+                <a14:useLocalDpi xmlns:a14="http://schemas.microsoft.com/office/drawing/2010/main" val="0"/>
+              </a:ext>
+            </a:extLst>
+          </a:blip>
+          <a:stretch>
+            <a:fillRect/>
+          </a:stretch>
+        </p:blipFill>
+        <p:spPr>
+          <a:xfrm>
+            <a:off x="6995882" y="1851963"/>
+            <a:ext cx="3853568" cy="2569045"/>
+          </a:xfrm>
+          <a:prstGeom prst="rect">
+            <a:avLst/>
+          </a:prstGeom>
+        </p:spPr>
+      </p:pic>
+      <p:pic>
+        <p:nvPicPr>
+          <p:cNvPr id="8" name="Picture 4" descr="XXV SEMINÁRIO INTERNACIONAL INTEGRADOR DA REDE PRODEMA">
+            <a:extLst>
+              <a:ext uri="{FF2B5EF4-FFF2-40B4-BE49-F238E27FC236}">
+                <a16:creationId xmlns:a16="http://schemas.microsoft.com/office/drawing/2014/main" id="{6B11949F-A5F7-BDA1-010C-E96D8D729ED4}"/>
+              </a:ext>
+            </a:extLst>
+          </p:cNvPr>
+          <p:cNvPicPr>
+            <a:picLocks noChangeAspect="1" noChangeArrowheads="1"/>
+          </p:cNvPicPr>
+          <p:nvPr/>
+        </p:nvPicPr>
+        <p:blipFill>
+          <a:blip r:embed="rId6">
+            <a:extLst>
+              <a:ext uri="{28A0092B-C50C-407E-A947-70E740481C1C}">
+                <a14:useLocalDpi xmlns:a14="http://schemas.microsoft.com/office/drawing/2010/main" val="0"/>
+              </a:ext>
+            </a:extLst>
+          </a:blip>
+          <a:srcRect/>
+          <a:stretch>
+            <a:fillRect/>
+          </a:stretch>
+        </p:blipFill>
+        <p:spPr bwMode="auto">
+          <a:xfrm>
+            <a:off x="5040486" y="1882140"/>
+            <a:ext cx="2530151" cy="2530151"/>
+          </a:xfrm>
+          <a:prstGeom prst="rect">
+            <a:avLst/>
+          </a:prstGeom>
+          <a:noFill/>
+          <a:extLst>
+            <a:ext uri="{909E8E84-426E-40DD-AFC4-6F175D3DCCD1}">
+              <a14:hiddenFill xmlns:a14="http://schemas.microsoft.com/office/drawing/2010/main">
+                <a:solidFill>
+                  <a:srgbClr val="FFFFFF"/>
+                </a:solidFill>
+              </a14:hiddenFill>
+            </a:ext>
+          </a:extLst>
         </p:spPr>
       </p:pic>
     </p:spTree>
